--- a/ppt 16-9/0869.献身为活祭.pptx
+++ b/ppt 16-9/0869.献身为活祭.pptx
@@ -5,7 +5,7 @@
     <p:sldMasterId id="2147483648" r:id="rId1"/>
   </p:sldMasterIdLst>
   <p:sldIdLst>
-    <p:sldId id="2177" r:id="rId2"/>
+    <p:sldId id="2178" r:id="rId2"/>
   </p:sldIdLst>
   <p:sldSz cx="12192000" cy="6858000"/>
   <p:notesSz cx="6858000" cy="9144000"/>
@@ -129,7 +129,7 @@
           <p:cNvPr id="2" name="标题 1">
             <a:extLst>
               <a:ext uri="{FF2B5EF4-FFF2-40B4-BE49-F238E27FC236}">
-                <a16:creationId xmlns:a16="http://schemas.microsoft.com/office/drawing/2014/main" id="{C29B01E8-95BB-77C8-3150-068268F62BAF}"/>
+                <a16:creationId xmlns:a16="http://schemas.microsoft.com/office/drawing/2014/main" id="{5D84630A-B185-8B0B-E46B-35670BC109B2}"/>
               </a:ext>
             </a:extLst>
           </p:cNvPr>
@@ -166,7 +166,7 @@
           <p:cNvPr id="3" name="副标题 2">
             <a:extLst>
               <a:ext uri="{FF2B5EF4-FFF2-40B4-BE49-F238E27FC236}">
-                <a16:creationId xmlns:a16="http://schemas.microsoft.com/office/drawing/2014/main" id="{F9422150-30AF-009D-8BE2-128D44466AB7}"/>
+                <a16:creationId xmlns:a16="http://schemas.microsoft.com/office/drawing/2014/main" id="{32479326-EA04-A388-10D4-5CB30EAE9463}"/>
               </a:ext>
             </a:extLst>
           </p:cNvPr>
@@ -236,7 +236,7 @@
           <p:cNvPr id="4" name="日期占位符 3">
             <a:extLst>
               <a:ext uri="{FF2B5EF4-FFF2-40B4-BE49-F238E27FC236}">
-                <a16:creationId xmlns:a16="http://schemas.microsoft.com/office/drawing/2014/main" id="{C307C9B0-5D30-1CFE-B4DF-AFC4A0B82908}"/>
+                <a16:creationId xmlns:a16="http://schemas.microsoft.com/office/drawing/2014/main" id="{31417714-F573-9928-DA91-37293983CC7E}"/>
               </a:ext>
             </a:extLst>
           </p:cNvPr>
@@ -252,7 +252,7 @@
           <a:bodyPr/>
           <a:lstStyle/>
           <a:p>
-            <a:fld id="{123448E7-9AF3-4CCD-AD09-9B694E2EB7EF}" type="datetimeFigureOut">
+            <a:fld id="{28FC5418-822D-479C-B633-FE32718E891B}" type="datetimeFigureOut">
               <a:rPr lang="zh-CN" altLang="en-US" smtClean="0"/>
               <a:t>2024/3/10</a:t>
             </a:fld>
@@ -265,7 +265,7 @@
           <p:cNvPr id="5" name="页脚占位符 4">
             <a:extLst>
               <a:ext uri="{FF2B5EF4-FFF2-40B4-BE49-F238E27FC236}">
-                <a16:creationId xmlns:a16="http://schemas.microsoft.com/office/drawing/2014/main" id="{57351516-63C9-CC35-37E4-CD5D97073BF7}"/>
+                <a16:creationId xmlns:a16="http://schemas.microsoft.com/office/drawing/2014/main" id="{44ADDF33-70CB-CFB0-FFEB-910EBBA043C7}"/>
               </a:ext>
             </a:extLst>
           </p:cNvPr>
@@ -290,7 +290,7 @@
           <p:cNvPr id="6" name="灯片编号占位符 5">
             <a:extLst>
               <a:ext uri="{FF2B5EF4-FFF2-40B4-BE49-F238E27FC236}">
-                <a16:creationId xmlns:a16="http://schemas.microsoft.com/office/drawing/2014/main" id="{89E9BBD1-1274-297E-4416-914A9E97720C}"/>
+                <a16:creationId xmlns:a16="http://schemas.microsoft.com/office/drawing/2014/main" id="{C542839E-4913-7283-927A-279015D7126D}"/>
               </a:ext>
             </a:extLst>
           </p:cNvPr>
@@ -306,7 +306,7 @@
           <a:bodyPr/>
           <a:lstStyle/>
           <a:p>
-            <a:fld id="{22C3C490-7DBA-4F6E-9D75-78EB996B3E5B}" type="slidenum">
+            <a:fld id="{E81D791E-CB61-42D1-85BF-127F968E520B}" type="slidenum">
               <a:rPr lang="zh-CN" altLang="en-US" smtClean="0"/>
               <a:t>‹#›</a:t>
             </a:fld>
@@ -317,7 +317,7 @@
     </p:spTree>
     <p:extLst>
       <p:ext uri="{BB962C8B-B14F-4D97-AF65-F5344CB8AC3E}">
-        <p14:creationId xmlns:p14="http://schemas.microsoft.com/office/powerpoint/2010/main" val="3057242271"/>
+        <p14:creationId xmlns:p14="http://schemas.microsoft.com/office/powerpoint/2010/main" val="268385228"/>
       </p:ext>
     </p:extLst>
   </p:cSld>
@@ -349,7 +349,7 @@
           <p:cNvPr id="2" name="标题 1">
             <a:extLst>
               <a:ext uri="{FF2B5EF4-FFF2-40B4-BE49-F238E27FC236}">
-                <a16:creationId xmlns:a16="http://schemas.microsoft.com/office/drawing/2014/main" id="{9077C2D0-9F61-8674-A380-626A6571FC69}"/>
+                <a16:creationId xmlns:a16="http://schemas.microsoft.com/office/drawing/2014/main" id="{525C06F3-F6B8-AC40-4687-668117789921}"/>
               </a:ext>
             </a:extLst>
           </p:cNvPr>
@@ -377,7 +377,7 @@
           <p:cNvPr id="3" name="竖排文字占位符 2">
             <a:extLst>
               <a:ext uri="{FF2B5EF4-FFF2-40B4-BE49-F238E27FC236}">
-                <a16:creationId xmlns:a16="http://schemas.microsoft.com/office/drawing/2014/main" id="{232E9C8B-7D59-A041-BA2C-77891B4F1675}"/>
+                <a16:creationId xmlns:a16="http://schemas.microsoft.com/office/drawing/2014/main" id="{C86A87EB-53F5-2324-5371-6A2953E02A45}"/>
               </a:ext>
             </a:extLst>
           </p:cNvPr>
@@ -434,7 +434,7 @@
           <p:cNvPr id="4" name="日期占位符 3">
             <a:extLst>
               <a:ext uri="{FF2B5EF4-FFF2-40B4-BE49-F238E27FC236}">
-                <a16:creationId xmlns:a16="http://schemas.microsoft.com/office/drawing/2014/main" id="{3E9C2675-F2DC-F204-2055-8CCD032932FB}"/>
+                <a16:creationId xmlns:a16="http://schemas.microsoft.com/office/drawing/2014/main" id="{742338BE-5084-7F50-048B-B39234DBAB75}"/>
               </a:ext>
             </a:extLst>
           </p:cNvPr>
@@ -450,7 +450,7 @@
           <a:bodyPr/>
           <a:lstStyle/>
           <a:p>
-            <a:fld id="{123448E7-9AF3-4CCD-AD09-9B694E2EB7EF}" type="datetimeFigureOut">
+            <a:fld id="{28FC5418-822D-479C-B633-FE32718E891B}" type="datetimeFigureOut">
               <a:rPr lang="zh-CN" altLang="en-US" smtClean="0"/>
               <a:t>2024/3/10</a:t>
             </a:fld>
@@ -463,7 +463,7 @@
           <p:cNvPr id="5" name="页脚占位符 4">
             <a:extLst>
               <a:ext uri="{FF2B5EF4-FFF2-40B4-BE49-F238E27FC236}">
-                <a16:creationId xmlns:a16="http://schemas.microsoft.com/office/drawing/2014/main" id="{CAFB6A68-F1FB-1999-363B-9D95508A08BB}"/>
+                <a16:creationId xmlns:a16="http://schemas.microsoft.com/office/drawing/2014/main" id="{D992BA28-DF46-E827-4FC0-DCE808D9501A}"/>
               </a:ext>
             </a:extLst>
           </p:cNvPr>
@@ -488,7 +488,7 @@
           <p:cNvPr id="6" name="灯片编号占位符 5">
             <a:extLst>
               <a:ext uri="{FF2B5EF4-FFF2-40B4-BE49-F238E27FC236}">
-                <a16:creationId xmlns:a16="http://schemas.microsoft.com/office/drawing/2014/main" id="{29CD4FAB-74D5-ABE1-3A78-3428CE4ECA50}"/>
+                <a16:creationId xmlns:a16="http://schemas.microsoft.com/office/drawing/2014/main" id="{A337F388-B4BD-D9C1-66C0-B8CB9F902F62}"/>
               </a:ext>
             </a:extLst>
           </p:cNvPr>
@@ -504,7 +504,7 @@
           <a:bodyPr/>
           <a:lstStyle/>
           <a:p>
-            <a:fld id="{22C3C490-7DBA-4F6E-9D75-78EB996B3E5B}" type="slidenum">
+            <a:fld id="{E81D791E-CB61-42D1-85BF-127F968E520B}" type="slidenum">
               <a:rPr lang="zh-CN" altLang="en-US" smtClean="0"/>
               <a:t>‹#›</a:t>
             </a:fld>
@@ -515,7 +515,7 @@
     </p:spTree>
     <p:extLst>
       <p:ext uri="{BB962C8B-B14F-4D97-AF65-F5344CB8AC3E}">
-        <p14:creationId xmlns:p14="http://schemas.microsoft.com/office/powerpoint/2010/main" val="1729088383"/>
+        <p14:creationId xmlns:p14="http://schemas.microsoft.com/office/powerpoint/2010/main" val="3224500647"/>
       </p:ext>
     </p:extLst>
   </p:cSld>
@@ -547,7 +547,7 @@
           <p:cNvPr id="2" name="竖排标题 1">
             <a:extLst>
               <a:ext uri="{FF2B5EF4-FFF2-40B4-BE49-F238E27FC236}">
-                <a16:creationId xmlns:a16="http://schemas.microsoft.com/office/drawing/2014/main" id="{2C806463-E766-DE81-4FAE-42728405F7C5}"/>
+                <a16:creationId xmlns:a16="http://schemas.microsoft.com/office/drawing/2014/main" id="{9C9A5706-6B84-9413-9234-DFDD54A15790}"/>
               </a:ext>
             </a:extLst>
           </p:cNvPr>
@@ -580,7 +580,7 @@
           <p:cNvPr id="3" name="竖排文字占位符 2">
             <a:extLst>
               <a:ext uri="{FF2B5EF4-FFF2-40B4-BE49-F238E27FC236}">
-                <a16:creationId xmlns:a16="http://schemas.microsoft.com/office/drawing/2014/main" id="{4F48DF8F-5F54-E9D8-90B0-E23A6AB22948}"/>
+                <a16:creationId xmlns:a16="http://schemas.microsoft.com/office/drawing/2014/main" id="{66CE57FB-CE83-8FB5-E513-D87737002023}"/>
               </a:ext>
             </a:extLst>
           </p:cNvPr>
@@ -642,7 +642,7 @@
           <p:cNvPr id="4" name="日期占位符 3">
             <a:extLst>
               <a:ext uri="{FF2B5EF4-FFF2-40B4-BE49-F238E27FC236}">
-                <a16:creationId xmlns:a16="http://schemas.microsoft.com/office/drawing/2014/main" id="{9166A3B8-7106-2A6C-C867-ED9F787B868E}"/>
+                <a16:creationId xmlns:a16="http://schemas.microsoft.com/office/drawing/2014/main" id="{F7C3225D-0C0A-BC7C-9DBA-257B566A770D}"/>
               </a:ext>
             </a:extLst>
           </p:cNvPr>
@@ -658,7 +658,7 @@
           <a:bodyPr/>
           <a:lstStyle/>
           <a:p>
-            <a:fld id="{123448E7-9AF3-4CCD-AD09-9B694E2EB7EF}" type="datetimeFigureOut">
+            <a:fld id="{28FC5418-822D-479C-B633-FE32718E891B}" type="datetimeFigureOut">
               <a:rPr lang="zh-CN" altLang="en-US" smtClean="0"/>
               <a:t>2024/3/10</a:t>
             </a:fld>
@@ -671,7 +671,7 @@
           <p:cNvPr id="5" name="页脚占位符 4">
             <a:extLst>
               <a:ext uri="{FF2B5EF4-FFF2-40B4-BE49-F238E27FC236}">
-                <a16:creationId xmlns:a16="http://schemas.microsoft.com/office/drawing/2014/main" id="{FAC7C2BB-CAD2-0AA8-ADD9-8181AA1AB990}"/>
+                <a16:creationId xmlns:a16="http://schemas.microsoft.com/office/drawing/2014/main" id="{14B6BA5A-588A-A124-3943-322EBE184334}"/>
               </a:ext>
             </a:extLst>
           </p:cNvPr>
@@ -696,7 +696,7 @@
           <p:cNvPr id="6" name="灯片编号占位符 5">
             <a:extLst>
               <a:ext uri="{FF2B5EF4-FFF2-40B4-BE49-F238E27FC236}">
-                <a16:creationId xmlns:a16="http://schemas.microsoft.com/office/drawing/2014/main" id="{A9D6968A-EB3B-D562-30DA-2BB5CFE6F8E0}"/>
+                <a16:creationId xmlns:a16="http://schemas.microsoft.com/office/drawing/2014/main" id="{4B0897AE-CAE9-3431-19E0-0058D353B049}"/>
               </a:ext>
             </a:extLst>
           </p:cNvPr>
@@ -712,7 +712,7 @@
           <a:bodyPr/>
           <a:lstStyle/>
           <a:p>
-            <a:fld id="{22C3C490-7DBA-4F6E-9D75-78EB996B3E5B}" type="slidenum">
+            <a:fld id="{E81D791E-CB61-42D1-85BF-127F968E520B}" type="slidenum">
               <a:rPr lang="zh-CN" altLang="en-US" smtClean="0"/>
               <a:t>‹#›</a:t>
             </a:fld>
@@ -723,7 +723,7 @@
     </p:spTree>
     <p:extLst>
       <p:ext uri="{BB962C8B-B14F-4D97-AF65-F5344CB8AC3E}">
-        <p14:creationId xmlns:p14="http://schemas.microsoft.com/office/powerpoint/2010/main" val="3139634661"/>
+        <p14:creationId xmlns:p14="http://schemas.microsoft.com/office/powerpoint/2010/main" val="1154604578"/>
       </p:ext>
     </p:extLst>
   </p:cSld>
@@ -755,7 +755,7 @@
           <p:cNvPr id="2" name="标题 1">
             <a:extLst>
               <a:ext uri="{FF2B5EF4-FFF2-40B4-BE49-F238E27FC236}">
-                <a16:creationId xmlns:a16="http://schemas.microsoft.com/office/drawing/2014/main" id="{F002DD2D-7B84-913F-B1F7-641585C8715F}"/>
+                <a16:creationId xmlns:a16="http://schemas.microsoft.com/office/drawing/2014/main" id="{CB0A1FC1-69A8-93FE-FA0B-7E12846E9AFF}"/>
               </a:ext>
             </a:extLst>
           </p:cNvPr>
@@ -783,7 +783,7 @@
           <p:cNvPr id="3" name="内容占位符 2">
             <a:extLst>
               <a:ext uri="{FF2B5EF4-FFF2-40B4-BE49-F238E27FC236}">
-                <a16:creationId xmlns:a16="http://schemas.microsoft.com/office/drawing/2014/main" id="{C255CCC1-B4BC-0A96-E2FB-E0A0A18B8024}"/>
+                <a16:creationId xmlns:a16="http://schemas.microsoft.com/office/drawing/2014/main" id="{50E00043-5318-F013-3989-7EC58739A738}"/>
               </a:ext>
             </a:extLst>
           </p:cNvPr>
@@ -840,7 +840,7 @@
           <p:cNvPr id="4" name="日期占位符 3">
             <a:extLst>
               <a:ext uri="{FF2B5EF4-FFF2-40B4-BE49-F238E27FC236}">
-                <a16:creationId xmlns:a16="http://schemas.microsoft.com/office/drawing/2014/main" id="{393D4550-7CC2-146E-085F-F178F6A0367F}"/>
+                <a16:creationId xmlns:a16="http://schemas.microsoft.com/office/drawing/2014/main" id="{7459152A-F696-09C7-0159-0922D1B94EE5}"/>
               </a:ext>
             </a:extLst>
           </p:cNvPr>
@@ -856,7 +856,7 @@
           <a:bodyPr/>
           <a:lstStyle/>
           <a:p>
-            <a:fld id="{123448E7-9AF3-4CCD-AD09-9B694E2EB7EF}" type="datetimeFigureOut">
+            <a:fld id="{28FC5418-822D-479C-B633-FE32718E891B}" type="datetimeFigureOut">
               <a:rPr lang="zh-CN" altLang="en-US" smtClean="0"/>
               <a:t>2024/3/10</a:t>
             </a:fld>
@@ -869,7 +869,7 @@
           <p:cNvPr id="5" name="页脚占位符 4">
             <a:extLst>
               <a:ext uri="{FF2B5EF4-FFF2-40B4-BE49-F238E27FC236}">
-                <a16:creationId xmlns:a16="http://schemas.microsoft.com/office/drawing/2014/main" id="{3FCBA1A0-BD3E-2FB1-7D2B-E8221B039258}"/>
+                <a16:creationId xmlns:a16="http://schemas.microsoft.com/office/drawing/2014/main" id="{19ACAE58-7C37-BAFC-C551-BAF4B8A08E4D}"/>
               </a:ext>
             </a:extLst>
           </p:cNvPr>
@@ -894,7 +894,7 @@
           <p:cNvPr id="6" name="灯片编号占位符 5">
             <a:extLst>
               <a:ext uri="{FF2B5EF4-FFF2-40B4-BE49-F238E27FC236}">
-                <a16:creationId xmlns:a16="http://schemas.microsoft.com/office/drawing/2014/main" id="{86BB5708-8DD9-3449-6290-E8DC4A2150AA}"/>
+                <a16:creationId xmlns:a16="http://schemas.microsoft.com/office/drawing/2014/main" id="{66A6EBCB-DAE2-2843-83CE-0273E7ABA66B}"/>
               </a:ext>
             </a:extLst>
           </p:cNvPr>
@@ -910,7 +910,7 @@
           <a:bodyPr/>
           <a:lstStyle/>
           <a:p>
-            <a:fld id="{22C3C490-7DBA-4F6E-9D75-78EB996B3E5B}" type="slidenum">
+            <a:fld id="{E81D791E-CB61-42D1-85BF-127F968E520B}" type="slidenum">
               <a:rPr lang="zh-CN" altLang="en-US" smtClean="0"/>
               <a:t>‹#›</a:t>
             </a:fld>
@@ -921,7 +921,7 @@
     </p:spTree>
     <p:extLst>
       <p:ext uri="{BB962C8B-B14F-4D97-AF65-F5344CB8AC3E}">
-        <p14:creationId xmlns:p14="http://schemas.microsoft.com/office/powerpoint/2010/main" val="4223437090"/>
+        <p14:creationId xmlns:p14="http://schemas.microsoft.com/office/powerpoint/2010/main" val="3456931878"/>
       </p:ext>
     </p:extLst>
   </p:cSld>
@@ -953,7 +953,7 @@
           <p:cNvPr id="2" name="标题 1">
             <a:extLst>
               <a:ext uri="{FF2B5EF4-FFF2-40B4-BE49-F238E27FC236}">
-                <a16:creationId xmlns:a16="http://schemas.microsoft.com/office/drawing/2014/main" id="{7FF3C8AC-4D33-70ED-FD37-CD356B615EB8}"/>
+                <a16:creationId xmlns:a16="http://schemas.microsoft.com/office/drawing/2014/main" id="{6D5A61E8-CD38-14E2-671A-02A13C22CB81}"/>
               </a:ext>
             </a:extLst>
           </p:cNvPr>
@@ -990,7 +990,7 @@
           <p:cNvPr id="3" name="文本占位符 2">
             <a:extLst>
               <a:ext uri="{FF2B5EF4-FFF2-40B4-BE49-F238E27FC236}">
-                <a16:creationId xmlns:a16="http://schemas.microsoft.com/office/drawing/2014/main" id="{584339C8-FCF8-1CC7-F572-B1664BCFD416}"/>
+                <a16:creationId xmlns:a16="http://schemas.microsoft.com/office/drawing/2014/main" id="{8D7C697D-4208-C04A-7881-FDEB182D5069}"/>
               </a:ext>
             </a:extLst>
           </p:cNvPr>
@@ -1115,7 +1115,7 @@
           <p:cNvPr id="4" name="日期占位符 3">
             <a:extLst>
               <a:ext uri="{FF2B5EF4-FFF2-40B4-BE49-F238E27FC236}">
-                <a16:creationId xmlns:a16="http://schemas.microsoft.com/office/drawing/2014/main" id="{06D8A275-B2CA-010E-6FB9-A42B4EFDE493}"/>
+                <a16:creationId xmlns:a16="http://schemas.microsoft.com/office/drawing/2014/main" id="{5133A718-EA1C-E27E-0DED-BFAE817F70A6}"/>
               </a:ext>
             </a:extLst>
           </p:cNvPr>
@@ -1131,7 +1131,7 @@
           <a:bodyPr/>
           <a:lstStyle/>
           <a:p>
-            <a:fld id="{123448E7-9AF3-4CCD-AD09-9B694E2EB7EF}" type="datetimeFigureOut">
+            <a:fld id="{28FC5418-822D-479C-B633-FE32718E891B}" type="datetimeFigureOut">
               <a:rPr lang="zh-CN" altLang="en-US" smtClean="0"/>
               <a:t>2024/3/10</a:t>
             </a:fld>
@@ -1144,7 +1144,7 @@
           <p:cNvPr id="5" name="页脚占位符 4">
             <a:extLst>
               <a:ext uri="{FF2B5EF4-FFF2-40B4-BE49-F238E27FC236}">
-                <a16:creationId xmlns:a16="http://schemas.microsoft.com/office/drawing/2014/main" id="{A0F170FB-9D9A-D421-B6D7-BABC47F2475E}"/>
+                <a16:creationId xmlns:a16="http://schemas.microsoft.com/office/drawing/2014/main" id="{F5234BBA-F999-4673-8142-44C70C62D07E}"/>
               </a:ext>
             </a:extLst>
           </p:cNvPr>
@@ -1169,7 +1169,7 @@
           <p:cNvPr id="6" name="灯片编号占位符 5">
             <a:extLst>
               <a:ext uri="{FF2B5EF4-FFF2-40B4-BE49-F238E27FC236}">
-                <a16:creationId xmlns:a16="http://schemas.microsoft.com/office/drawing/2014/main" id="{241E56AB-5321-09C8-45E5-08685C20D246}"/>
+                <a16:creationId xmlns:a16="http://schemas.microsoft.com/office/drawing/2014/main" id="{790B2B08-77D6-2F22-9D98-D66CF9440969}"/>
               </a:ext>
             </a:extLst>
           </p:cNvPr>
@@ -1185,7 +1185,7 @@
           <a:bodyPr/>
           <a:lstStyle/>
           <a:p>
-            <a:fld id="{22C3C490-7DBA-4F6E-9D75-78EB996B3E5B}" type="slidenum">
+            <a:fld id="{E81D791E-CB61-42D1-85BF-127F968E520B}" type="slidenum">
               <a:rPr lang="zh-CN" altLang="en-US" smtClean="0"/>
               <a:t>‹#›</a:t>
             </a:fld>
@@ -1196,7 +1196,7 @@
     </p:spTree>
     <p:extLst>
       <p:ext uri="{BB962C8B-B14F-4D97-AF65-F5344CB8AC3E}">
-        <p14:creationId xmlns:p14="http://schemas.microsoft.com/office/powerpoint/2010/main" val="4078553134"/>
+        <p14:creationId xmlns:p14="http://schemas.microsoft.com/office/powerpoint/2010/main" val="1141705397"/>
       </p:ext>
     </p:extLst>
   </p:cSld>
@@ -1228,7 +1228,7 @@
           <p:cNvPr id="2" name="标题 1">
             <a:extLst>
               <a:ext uri="{FF2B5EF4-FFF2-40B4-BE49-F238E27FC236}">
-                <a16:creationId xmlns:a16="http://schemas.microsoft.com/office/drawing/2014/main" id="{A84A2EBB-7CB8-3651-3452-DEECAA1293F0}"/>
+                <a16:creationId xmlns:a16="http://schemas.microsoft.com/office/drawing/2014/main" id="{1EB8CF5A-A015-A7AC-A089-A3AEEBC8DA3E}"/>
               </a:ext>
             </a:extLst>
           </p:cNvPr>
@@ -1256,7 +1256,7 @@
           <p:cNvPr id="3" name="内容占位符 2">
             <a:extLst>
               <a:ext uri="{FF2B5EF4-FFF2-40B4-BE49-F238E27FC236}">
-                <a16:creationId xmlns:a16="http://schemas.microsoft.com/office/drawing/2014/main" id="{1F176643-73BF-B563-8411-4D83238E634C}"/>
+                <a16:creationId xmlns:a16="http://schemas.microsoft.com/office/drawing/2014/main" id="{DC56B37B-F32C-2F83-59A5-2044746C38EB}"/>
               </a:ext>
             </a:extLst>
           </p:cNvPr>
@@ -1318,7 +1318,7 @@
           <p:cNvPr id="4" name="内容占位符 3">
             <a:extLst>
               <a:ext uri="{FF2B5EF4-FFF2-40B4-BE49-F238E27FC236}">
-                <a16:creationId xmlns:a16="http://schemas.microsoft.com/office/drawing/2014/main" id="{31260B02-D8BF-723F-DC27-8535B8F9D6BD}"/>
+                <a16:creationId xmlns:a16="http://schemas.microsoft.com/office/drawing/2014/main" id="{62734543-DA8A-70E7-C905-0FBBB5FD0012}"/>
               </a:ext>
             </a:extLst>
           </p:cNvPr>
@@ -1380,7 +1380,7 @@
           <p:cNvPr id="5" name="日期占位符 4">
             <a:extLst>
               <a:ext uri="{FF2B5EF4-FFF2-40B4-BE49-F238E27FC236}">
-                <a16:creationId xmlns:a16="http://schemas.microsoft.com/office/drawing/2014/main" id="{B0292155-DF6D-E80E-CF36-7CA1D55205A3}"/>
+                <a16:creationId xmlns:a16="http://schemas.microsoft.com/office/drawing/2014/main" id="{8020490C-3549-B522-5D67-DF5FC8EC03E1}"/>
               </a:ext>
             </a:extLst>
           </p:cNvPr>
@@ -1396,7 +1396,7 @@
           <a:bodyPr/>
           <a:lstStyle/>
           <a:p>
-            <a:fld id="{123448E7-9AF3-4CCD-AD09-9B694E2EB7EF}" type="datetimeFigureOut">
+            <a:fld id="{28FC5418-822D-479C-B633-FE32718E891B}" type="datetimeFigureOut">
               <a:rPr lang="zh-CN" altLang="en-US" smtClean="0"/>
               <a:t>2024/3/10</a:t>
             </a:fld>
@@ -1409,7 +1409,7 @@
           <p:cNvPr id="6" name="页脚占位符 5">
             <a:extLst>
               <a:ext uri="{FF2B5EF4-FFF2-40B4-BE49-F238E27FC236}">
-                <a16:creationId xmlns:a16="http://schemas.microsoft.com/office/drawing/2014/main" id="{4552DBBA-AD28-98E1-703F-A0606FC5BFA2}"/>
+                <a16:creationId xmlns:a16="http://schemas.microsoft.com/office/drawing/2014/main" id="{6CAB76A9-110B-FF8C-40CB-E5EDB99D9AFE}"/>
               </a:ext>
             </a:extLst>
           </p:cNvPr>
@@ -1434,7 +1434,7 @@
           <p:cNvPr id="7" name="灯片编号占位符 6">
             <a:extLst>
               <a:ext uri="{FF2B5EF4-FFF2-40B4-BE49-F238E27FC236}">
-                <a16:creationId xmlns:a16="http://schemas.microsoft.com/office/drawing/2014/main" id="{35D7024C-D659-7824-A92E-B2412BB7830C}"/>
+                <a16:creationId xmlns:a16="http://schemas.microsoft.com/office/drawing/2014/main" id="{A697F6AE-6329-D79F-E7AE-49C542BC4732}"/>
               </a:ext>
             </a:extLst>
           </p:cNvPr>
@@ -1450,7 +1450,7 @@
           <a:bodyPr/>
           <a:lstStyle/>
           <a:p>
-            <a:fld id="{22C3C490-7DBA-4F6E-9D75-78EB996B3E5B}" type="slidenum">
+            <a:fld id="{E81D791E-CB61-42D1-85BF-127F968E520B}" type="slidenum">
               <a:rPr lang="zh-CN" altLang="en-US" smtClean="0"/>
               <a:t>‹#›</a:t>
             </a:fld>
@@ -1461,7 +1461,7 @@
     </p:spTree>
     <p:extLst>
       <p:ext uri="{BB962C8B-B14F-4D97-AF65-F5344CB8AC3E}">
-        <p14:creationId xmlns:p14="http://schemas.microsoft.com/office/powerpoint/2010/main" val="1374768600"/>
+        <p14:creationId xmlns:p14="http://schemas.microsoft.com/office/powerpoint/2010/main" val="2271742239"/>
       </p:ext>
     </p:extLst>
   </p:cSld>
@@ -1493,7 +1493,7 @@
           <p:cNvPr id="2" name="标题 1">
             <a:extLst>
               <a:ext uri="{FF2B5EF4-FFF2-40B4-BE49-F238E27FC236}">
-                <a16:creationId xmlns:a16="http://schemas.microsoft.com/office/drawing/2014/main" id="{F97F6FC9-424F-28BF-EA16-25DC1837D045}"/>
+                <a16:creationId xmlns:a16="http://schemas.microsoft.com/office/drawing/2014/main" id="{1F2580B0-BFEB-7399-E199-40F972F272FD}"/>
               </a:ext>
             </a:extLst>
           </p:cNvPr>
@@ -1526,7 +1526,7 @@
           <p:cNvPr id="3" name="文本占位符 2">
             <a:extLst>
               <a:ext uri="{FF2B5EF4-FFF2-40B4-BE49-F238E27FC236}">
-                <a16:creationId xmlns:a16="http://schemas.microsoft.com/office/drawing/2014/main" id="{C9C6437A-A3FE-69E3-C027-EFA66DC20551}"/>
+                <a16:creationId xmlns:a16="http://schemas.microsoft.com/office/drawing/2014/main" id="{A97CD006-499E-996C-9501-04F2E4215BC0}"/>
               </a:ext>
             </a:extLst>
           </p:cNvPr>
@@ -1597,7 +1597,7 @@
           <p:cNvPr id="4" name="内容占位符 3">
             <a:extLst>
               <a:ext uri="{FF2B5EF4-FFF2-40B4-BE49-F238E27FC236}">
-                <a16:creationId xmlns:a16="http://schemas.microsoft.com/office/drawing/2014/main" id="{C861795E-EA22-F679-302A-E30981285810}"/>
+                <a16:creationId xmlns:a16="http://schemas.microsoft.com/office/drawing/2014/main" id="{4B99A003-AD78-A300-B637-DCBDCAFCDC1C}"/>
               </a:ext>
             </a:extLst>
           </p:cNvPr>
@@ -1659,7 +1659,7 @@
           <p:cNvPr id="5" name="文本占位符 4">
             <a:extLst>
               <a:ext uri="{FF2B5EF4-FFF2-40B4-BE49-F238E27FC236}">
-                <a16:creationId xmlns:a16="http://schemas.microsoft.com/office/drawing/2014/main" id="{7EE88D8C-4729-B5FC-3FEA-4C713042CE64}"/>
+                <a16:creationId xmlns:a16="http://schemas.microsoft.com/office/drawing/2014/main" id="{35050944-B7D9-8A1B-B8D3-83AC5DCBA56A}"/>
               </a:ext>
             </a:extLst>
           </p:cNvPr>
@@ -1730,7 +1730,7 @@
           <p:cNvPr id="6" name="内容占位符 5">
             <a:extLst>
               <a:ext uri="{FF2B5EF4-FFF2-40B4-BE49-F238E27FC236}">
-                <a16:creationId xmlns:a16="http://schemas.microsoft.com/office/drawing/2014/main" id="{CC043243-538E-1DC6-8E67-AA8CB67A8238}"/>
+                <a16:creationId xmlns:a16="http://schemas.microsoft.com/office/drawing/2014/main" id="{40A454B7-5976-9348-749F-3E46AF67D8E6}"/>
               </a:ext>
             </a:extLst>
           </p:cNvPr>
@@ -1792,7 +1792,7 @@
           <p:cNvPr id="7" name="日期占位符 6">
             <a:extLst>
               <a:ext uri="{FF2B5EF4-FFF2-40B4-BE49-F238E27FC236}">
-                <a16:creationId xmlns:a16="http://schemas.microsoft.com/office/drawing/2014/main" id="{D2BE9005-A18A-5710-2239-E7519EB1C3C4}"/>
+                <a16:creationId xmlns:a16="http://schemas.microsoft.com/office/drawing/2014/main" id="{F43B9BF9-4954-4D90-4F1B-CAD3E1D2CA43}"/>
               </a:ext>
             </a:extLst>
           </p:cNvPr>
@@ -1808,7 +1808,7 @@
           <a:bodyPr/>
           <a:lstStyle/>
           <a:p>
-            <a:fld id="{123448E7-9AF3-4CCD-AD09-9B694E2EB7EF}" type="datetimeFigureOut">
+            <a:fld id="{28FC5418-822D-479C-B633-FE32718E891B}" type="datetimeFigureOut">
               <a:rPr lang="zh-CN" altLang="en-US" smtClean="0"/>
               <a:t>2024/3/10</a:t>
             </a:fld>
@@ -1821,7 +1821,7 @@
           <p:cNvPr id="8" name="页脚占位符 7">
             <a:extLst>
               <a:ext uri="{FF2B5EF4-FFF2-40B4-BE49-F238E27FC236}">
-                <a16:creationId xmlns:a16="http://schemas.microsoft.com/office/drawing/2014/main" id="{AAB05BD8-E9F5-41DB-CECF-D649FBD69B6D}"/>
+                <a16:creationId xmlns:a16="http://schemas.microsoft.com/office/drawing/2014/main" id="{163D7D06-9645-F37D-FF05-4268C38ADD91}"/>
               </a:ext>
             </a:extLst>
           </p:cNvPr>
@@ -1846,7 +1846,7 @@
           <p:cNvPr id="9" name="灯片编号占位符 8">
             <a:extLst>
               <a:ext uri="{FF2B5EF4-FFF2-40B4-BE49-F238E27FC236}">
-                <a16:creationId xmlns:a16="http://schemas.microsoft.com/office/drawing/2014/main" id="{EF68495D-E6AF-07C2-5EF9-77F7E5B0B355}"/>
+                <a16:creationId xmlns:a16="http://schemas.microsoft.com/office/drawing/2014/main" id="{AC5EE729-8BB0-85EB-0179-2BCC6143D7C1}"/>
               </a:ext>
             </a:extLst>
           </p:cNvPr>
@@ -1862,7 +1862,7 @@
           <a:bodyPr/>
           <a:lstStyle/>
           <a:p>
-            <a:fld id="{22C3C490-7DBA-4F6E-9D75-78EB996B3E5B}" type="slidenum">
+            <a:fld id="{E81D791E-CB61-42D1-85BF-127F968E520B}" type="slidenum">
               <a:rPr lang="zh-CN" altLang="en-US" smtClean="0"/>
               <a:t>‹#›</a:t>
             </a:fld>
@@ -1873,7 +1873,7 @@
     </p:spTree>
     <p:extLst>
       <p:ext uri="{BB962C8B-B14F-4D97-AF65-F5344CB8AC3E}">
-        <p14:creationId xmlns:p14="http://schemas.microsoft.com/office/powerpoint/2010/main" val="3105513724"/>
+        <p14:creationId xmlns:p14="http://schemas.microsoft.com/office/powerpoint/2010/main" val="3110965740"/>
       </p:ext>
     </p:extLst>
   </p:cSld>
@@ -1905,7 +1905,7 @@
           <p:cNvPr id="2" name="标题 1">
             <a:extLst>
               <a:ext uri="{FF2B5EF4-FFF2-40B4-BE49-F238E27FC236}">
-                <a16:creationId xmlns:a16="http://schemas.microsoft.com/office/drawing/2014/main" id="{F4EB3628-6F6C-38F3-C289-108DB5879588}"/>
+                <a16:creationId xmlns:a16="http://schemas.microsoft.com/office/drawing/2014/main" id="{E9653AD4-B0F5-A557-51C7-869E914EFB4A}"/>
               </a:ext>
             </a:extLst>
           </p:cNvPr>
@@ -1933,7 +1933,7 @@
           <p:cNvPr id="3" name="日期占位符 2">
             <a:extLst>
               <a:ext uri="{FF2B5EF4-FFF2-40B4-BE49-F238E27FC236}">
-                <a16:creationId xmlns:a16="http://schemas.microsoft.com/office/drawing/2014/main" id="{37C985A4-6BD9-13D3-E3EB-DA78274A7354}"/>
+                <a16:creationId xmlns:a16="http://schemas.microsoft.com/office/drawing/2014/main" id="{1015FE95-903E-4E4C-0421-872F2D775A93}"/>
               </a:ext>
             </a:extLst>
           </p:cNvPr>
@@ -1949,7 +1949,7 @@
           <a:bodyPr/>
           <a:lstStyle/>
           <a:p>
-            <a:fld id="{123448E7-9AF3-4CCD-AD09-9B694E2EB7EF}" type="datetimeFigureOut">
+            <a:fld id="{28FC5418-822D-479C-B633-FE32718E891B}" type="datetimeFigureOut">
               <a:rPr lang="zh-CN" altLang="en-US" smtClean="0"/>
               <a:t>2024/3/10</a:t>
             </a:fld>
@@ -1962,7 +1962,7 @@
           <p:cNvPr id="4" name="页脚占位符 3">
             <a:extLst>
               <a:ext uri="{FF2B5EF4-FFF2-40B4-BE49-F238E27FC236}">
-                <a16:creationId xmlns:a16="http://schemas.microsoft.com/office/drawing/2014/main" id="{A9E263CF-74F8-E6A4-0EEF-85AC05467535}"/>
+                <a16:creationId xmlns:a16="http://schemas.microsoft.com/office/drawing/2014/main" id="{9EFC7109-BEF3-0A13-4EED-5B1B51155518}"/>
               </a:ext>
             </a:extLst>
           </p:cNvPr>
@@ -1987,7 +1987,7 @@
           <p:cNvPr id="5" name="灯片编号占位符 4">
             <a:extLst>
               <a:ext uri="{FF2B5EF4-FFF2-40B4-BE49-F238E27FC236}">
-                <a16:creationId xmlns:a16="http://schemas.microsoft.com/office/drawing/2014/main" id="{E613F823-5A94-3169-C4FD-B256652368A6}"/>
+                <a16:creationId xmlns:a16="http://schemas.microsoft.com/office/drawing/2014/main" id="{E491053D-8107-6D1F-D63D-655F04AA5CB9}"/>
               </a:ext>
             </a:extLst>
           </p:cNvPr>
@@ -2003,7 +2003,7 @@
           <a:bodyPr/>
           <a:lstStyle/>
           <a:p>
-            <a:fld id="{22C3C490-7DBA-4F6E-9D75-78EB996B3E5B}" type="slidenum">
+            <a:fld id="{E81D791E-CB61-42D1-85BF-127F968E520B}" type="slidenum">
               <a:rPr lang="zh-CN" altLang="en-US" smtClean="0"/>
               <a:t>‹#›</a:t>
             </a:fld>
@@ -2014,7 +2014,7 @@
     </p:spTree>
     <p:extLst>
       <p:ext uri="{BB962C8B-B14F-4D97-AF65-F5344CB8AC3E}">
-        <p14:creationId xmlns:p14="http://schemas.microsoft.com/office/powerpoint/2010/main" val="2144186357"/>
+        <p14:creationId xmlns:p14="http://schemas.microsoft.com/office/powerpoint/2010/main" val="3829488602"/>
       </p:ext>
     </p:extLst>
   </p:cSld>
@@ -2046,7 +2046,7 @@
           <p:cNvPr id="2" name="日期占位符 1">
             <a:extLst>
               <a:ext uri="{FF2B5EF4-FFF2-40B4-BE49-F238E27FC236}">
-                <a16:creationId xmlns:a16="http://schemas.microsoft.com/office/drawing/2014/main" id="{A9112844-19CE-2215-EFC8-098BE60183E1}"/>
+                <a16:creationId xmlns:a16="http://schemas.microsoft.com/office/drawing/2014/main" id="{43311E14-209E-305B-352C-081F8DA41CA8}"/>
               </a:ext>
             </a:extLst>
           </p:cNvPr>
@@ -2062,7 +2062,7 @@
           <a:bodyPr/>
           <a:lstStyle/>
           <a:p>
-            <a:fld id="{123448E7-9AF3-4CCD-AD09-9B694E2EB7EF}" type="datetimeFigureOut">
+            <a:fld id="{28FC5418-822D-479C-B633-FE32718E891B}" type="datetimeFigureOut">
               <a:rPr lang="zh-CN" altLang="en-US" smtClean="0"/>
               <a:t>2024/3/10</a:t>
             </a:fld>
@@ -2075,7 +2075,7 @@
           <p:cNvPr id="3" name="页脚占位符 2">
             <a:extLst>
               <a:ext uri="{FF2B5EF4-FFF2-40B4-BE49-F238E27FC236}">
-                <a16:creationId xmlns:a16="http://schemas.microsoft.com/office/drawing/2014/main" id="{19894E5D-57E7-DCE0-3964-651B99B3AE3A}"/>
+                <a16:creationId xmlns:a16="http://schemas.microsoft.com/office/drawing/2014/main" id="{C223EDE5-2A3D-04CC-4B2D-3B087B842C89}"/>
               </a:ext>
             </a:extLst>
           </p:cNvPr>
@@ -2100,7 +2100,7 @@
           <p:cNvPr id="4" name="灯片编号占位符 3">
             <a:extLst>
               <a:ext uri="{FF2B5EF4-FFF2-40B4-BE49-F238E27FC236}">
-                <a16:creationId xmlns:a16="http://schemas.microsoft.com/office/drawing/2014/main" id="{A0E99708-EDE8-A20D-29E1-F8E88A00BE2C}"/>
+                <a16:creationId xmlns:a16="http://schemas.microsoft.com/office/drawing/2014/main" id="{1634DD1C-8F76-62FA-EA0B-46CD8EFCD817}"/>
               </a:ext>
             </a:extLst>
           </p:cNvPr>
@@ -2116,7 +2116,7 @@
           <a:bodyPr/>
           <a:lstStyle/>
           <a:p>
-            <a:fld id="{22C3C490-7DBA-4F6E-9D75-78EB996B3E5B}" type="slidenum">
+            <a:fld id="{E81D791E-CB61-42D1-85BF-127F968E520B}" type="slidenum">
               <a:rPr lang="zh-CN" altLang="en-US" smtClean="0"/>
               <a:t>‹#›</a:t>
             </a:fld>
@@ -2127,7 +2127,7 @@
     </p:spTree>
     <p:extLst>
       <p:ext uri="{BB962C8B-B14F-4D97-AF65-F5344CB8AC3E}">
-        <p14:creationId xmlns:p14="http://schemas.microsoft.com/office/powerpoint/2010/main" val="3130830313"/>
+        <p14:creationId xmlns:p14="http://schemas.microsoft.com/office/powerpoint/2010/main" val="3536976526"/>
       </p:ext>
     </p:extLst>
   </p:cSld>
@@ -2159,7 +2159,7 @@
           <p:cNvPr id="2" name="标题 1">
             <a:extLst>
               <a:ext uri="{FF2B5EF4-FFF2-40B4-BE49-F238E27FC236}">
-                <a16:creationId xmlns:a16="http://schemas.microsoft.com/office/drawing/2014/main" id="{193D1966-202B-D82E-A91C-EE7E8B212577}"/>
+                <a16:creationId xmlns:a16="http://schemas.microsoft.com/office/drawing/2014/main" id="{940C0571-7320-B1FC-6F35-7561E00B18D7}"/>
               </a:ext>
             </a:extLst>
           </p:cNvPr>
@@ -2196,7 +2196,7 @@
           <p:cNvPr id="3" name="内容占位符 2">
             <a:extLst>
               <a:ext uri="{FF2B5EF4-FFF2-40B4-BE49-F238E27FC236}">
-                <a16:creationId xmlns:a16="http://schemas.microsoft.com/office/drawing/2014/main" id="{513B563E-DD4A-B5C2-E582-A8B544D2F153}"/>
+                <a16:creationId xmlns:a16="http://schemas.microsoft.com/office/drawing/2014/main" id="{A3CA6910-5FB0-1086-3FC2-F9A27C109AA4}"/>
               </a:ext>
             </a:extLst>
           </p:cNvPr>
@@ -2286,7 +2286,7 @@
           <p:cNvPr id="4" name="文本占位符 3">
             <a:extLst>
               <a:ext uri="{FF2B5EF4-FFF2-40B4-BE49-F238E27FC236}">
-                <a16:creationId xmlns:a16="http://schemas.microsoft.com/office/drawing/2014/main" id="{AFDC9D84-AC26-F53B-C321-ED6F52EF3803}"/>
+                <a16:creationId xmlns:a16="http://schemas.microsoft.com/office/drawing/2014/main" id="{1F525016-7EEC-D9B2-4482-CD257EEF1EF6}"/>
               </a:ext>
             </a:extLst>
           </p:cNvPr>
@@ -2357,7 +2357,7 @@
           <p:cNvPr id="5" name="日期占位符 4">
             <a:extLst>
               <a:ext uri="{FF2B5EF4-FFF2-40B4-BE49-F238E27FC236}">
-                <a16:creationId xmlns:a16="http://schemas.microsoft.com/office/drawing/2014/main" id="{02A83D89-0DB9-DD3A-5A95-9BABA2C0C7F4}"/>
+                <a16:creationId xmlns:a16="http://schemas.microsoft.com/office/drawing/2014/main" id="{4B7A270D-69FF-A814-24AB-22543A5020C6}"/>
               </a:ext>
             </a:extLst>
           </p:cNvPr>
@@ -2373,7 +2373,7 @@
           <a:bodyPr/>
           <a:lstStyle/>
           <a:p>
-            <a:fld id="{123448E7-9AF3-4CCD-AD09-9B694E2EB7EF}" type="datetimeFigureOut">
+            <a:fld id="{28FC5418-822D-479C-B633-FE32718E891B}" type="datetimeFigureOut">
               <a:rPr lang="zh-CN" altLang="en-US" smtClean="0"/>
               <a:t>2024/3/10</a:t>
             </a:fld>
@@ -2386,7 +2386,7 @@
           <p:cNvPr id="6" name="页脚占位符 5">
             <a:extLst>
               <a:ext uri="{FF2B5EF4-FFF2-40B4-BE49-F238E27FC236}">
-                <a16:creationId xmlns:a16="http://schemas.microsoft.com/office/drawing/2014/main" id="{4ED4840A-63F7-291E-E240-308417BC4D6C}"/>
+                <a16:creationId xmlns:a16="http://schemas.microsoft.com/office/drawing/2014/main" id="{49F9B20B-BA0B-7DA7-12A4-04E3C468121C}"/>
               </a:ext>
             </a:extLst>
           </p:cNvPr>
@@ -2411,7 +2411,7 @@
           <p:cNvPr id="7" name="灯片编号占位符 6">
             <a:extLst>
               <a:ext uri="{FF2B5EF4-FFF2-40B4-BE49-F238E27FC236}">
-                <a16:creationId xmlns:a16="http://schemas.microsoft.com/office/drawing/2014/main" id="{C181F1C7-BECE-D60B-894E-04B575084D96}"/>
+                <a16:creationId xmlns:a16="http://schemas.microsoft.com/office/drawing/2014/main" id="{E20614E3-30E4-602F-8303-A6BD1B352054}"/>
               </a:ext>
             </a:extLst>
           </p:cNvPr>
@@ -2427,7 +2427,7 @@
           <a:bodyPr/>
           <a:lstStyle/>
           <a:p>
-            <a:fld id="{22C3C490-7DBA-4F6E-9D75-78EB996B3E5B}" type="slidenum">
+            <a:fld id="{E81D791E-CB61-42D1-85BF-127F968E520B}" type="slidenum">
               <a:rPr lang="zh-CN" altLang="en-US" smtClean="0"/>
               <a:t>‹#›</a:t>
             </a:fld>
@@ -2438,7 +2438,7 @@
     </p:spTree>
     <p:extLst>
       <p:ext uri="{BB962C8B-B14F-4D97-AF65-F5344CB8AC3E}">
-        <p14:creationId xmlns:p14="http://schemas.microsoft.com/office/powerpoint/2010/main" val="1150835549"/>
+        <p14:creationId xmlns:p14="http://schemas.microsoft.com/office/powerpoint/2010/main" val="1218560178"/>
       </p:ext>
     </p:extLst>
   </p:cSld>
@@ -2470,7 +2470,7 @@
           <p:cNvPr id="2" name="标题 1">
             <a:extLst>
               <a:ext uri="{FF2B5EF4-FFF2-40B4-BE49-F238E27FC236}">
-                <a16:creationId xmlns:a16="http://schemas.microsoft.com/office/drawing/2014/main" id="{EF752077-EEFC-068C-AF1E-963CA405199E}"/>
+                <a16:creationId xmlns:a16="http://schemas.microsoft.com/office/drawing/2014/main" id="{6CC85EE4-AF91-00B3-2821-1B0716565E6A}"/>
               </a:ext>
             </a:extLst>
           </p:cNvPr>
@@ -2507,7 +2507,7 @@
           <p:cNvPr id="3" name="图片占位符 2">
             <a:extLst>
               <a:ext uri="{FF2B5EF4-FFF2-40B4-BE49-F238E27FC236}">
-                <a16:creationId xmlns:a16="http://schemas.microsoft.com/office/drawing/2014/main" id="{C2F0604B-64CB-D9BA-6B9E-E3F224BDEBF1}"/>
+                <a16:creationId xmlns:a16="http://schemas.microsoft.com/office/drawing/2014/main" id="{A5564911-BBD9-1A84-82C6-BCDDBB0A0916}"/>
               </a:ext>
             </a:extLst>
           </p:cNvPr>
@@ -2574,7 +2574,7 @@
           <p:cNvPr id="4" name="文本占位符 3">
             <a:extLst>
               <a:ext uri="{FF2B5EF4-FFF2-40B4-BE49-F238E27FC236}">
-                <a16:creationId xmlns:a16="http://schemas.microsoft.com/office/drawing/2014/main" id="{C6252359-3877-110E-11B2-3183F3F44CD3}"/>
+                <a16:creationId xmlns:a16="http://schemas.microsoft.com/office/drawing/2014/main" id="{1759B731-6605-AA58-9739-52ECEC309924}"/>
               </a:ext>
             </a:extLst>
           </p:cNvPr>
@@ -2645,7 +2645,7 @@
           <p:cNvPr id="5" name="日期占位符 4">
             <a:extLst>
               <a:ext uri="{FF2B5EF4-FFF2-40B4-BE49-F238E27FC236}">
-                <a16:creationId xmlns:a16="http://schemas.microsoft.com/office/drawing/2014/main" id="{520209F8-F566-DD72-3E83-09768A61F5ED}"/>
+                <a16:creationId xmlns:a16="http://schemas.microsoft.com/office/drawing/2014/main" id="{4E2523A8-5E10-20E6-BE2A-6610BFB73F80}"/>
               </a:ext>
             </a:extLst>
           </p:cNvPr>
@@ -2661,7 +2661,7 @@
           <a:bodyPr/>
           <a:lstStyle/>
           <a:p>
-            <a:fld id="{123448E7-9AF3-4CCD-AD09-9B694E2EB7EF}" type="datetimeFigureOut">
+            <a:fld id="{28FC5418-822D-479C-B633-FE32718E891B}" type="datetimeFigureOut">
               <a:rPr lang="zh-CN" altLang="en-US" smtClean="0"/>
               <a:t>2024/3/10</a:t>
             </a:fld>
@@ -2674,7 +2674,7 @@
           <p:cNvPr id="6" name="页脚占位符 5">
             <a:extLst>
               <a:ext uri="{FF2B5EF4-FFF2-40B4-BE49-F238E27FC236}">
-                <a16:creationId xmlns:a16="http://schemas.microsoft.com/office/drawing/2014/main" id="{0E71A1B3-4EB2-3962-7F3B-1991ECC7951D}"/>
+                <a16:creationId xmlns:a16="http://schemas.microsoft.com/office/drawing/2014/main" id="{AC4811B4-FBBB-85B9-364E-2827C169C9E4}"/>
               </a:ext>
             </a:extLst>
           </p:cNvPr>
@@ -2699,7 +2699,7 @@
           <p:cNvPr id="7" name="灯片编号占位符 6">
             <a:extLst>
               <a:ext uri="{FF2B5EF4-FFF2-40B4-BE49-F238E27FC236}">
-                <a16:creationId xmlns:a16="http://schemas.microsoft.com/office/drawing/2014/main" id="{181D4AC4-85CB-BA95-EF26-0AF2AA15D278}"/>
+                <a16:creationId xmlns:a16="http://schemas.microsoft.com/office/drawing/2014/main" id="{15430487-9980-67C9-0545-AB7F31370DCC}"/>
               </a:ext>
             </a:extLst>
           </p:cNvPr>
@@ -2715,7 +2715,7 @@
           <a:bodyPr/>
           <a:lstStyle/>
           <a:p>
-            <a:fld id="{22C3C490-7DBA-4F6E-9D75-78EB996B3E5B}" type="slidenum">
+            <a:fld id="{E81D791E-CB61-42D1-85BF-127F968E520B}" type="slidenum">
               <a:rPr lang="zh-CN" altLang="en-US" smtClean="0"/>
               <a:t>‹#›</a:t>
             </a:fld>
@@ -2726,7 +2726,7 @@
     </p:spTree>
     <p:extLst>
       <p:ext uri="{BB962C8B-B14F-4D97-AF65-F5344CB8AC3E}">
-        <p14:creationId xmlns:p14="http://schemas.microsoft.com/office/powerpoint/2010/main" val="75258207"/>
+        <p14:creationId xmlns:p14="http://schemas.microsoft.com/office/powerpoint/2010/main" val="2541605641"/>
       </p:ext>
     </p:extLst>
   </p:cSld>
@@ -2763,7 +2763,7 @@
           <p:cNvPr id="2" name="标题占位符 1">
             <a:extLst>
               <a:ext uri="{FF2B5EF4-FFF2-40B4-BE49-F238E27FC236}">
-                <a16:creationId xmlns:a16="http://schemas.microsoft.com/office/drawing/2014/main" id="{CAED7DC0-D525-C0C9-1358-53D4545F12C7}"/>
+                <a16:creationId xmlns:a16="http://schemas.microsoft.com/office/drawing/2014/main" id="{F234F7A3-CBDE-2CC0-7131-9E5AB8FD470F}"/>
               </a:ext>
             </a:extLst>
           </p:cNvPr>
@@ -2801,7 +2801,7 @@
           <p:cNvPr id="3" name="文本占位符 2">
             <a:extLst>
               <a:ext uri="{FF2B5EF4-FFF2-40B4-BE49-F238E27FC236}">
-                <a16:creationId xmlns:a16="http://schemas.microsoft.com/office/drawing/2014/main" id="{73528AB6-2636-3C07-95F2-103CDE2B30D2}"/>
+                <a16:creationId xmlns:a16="http://schemas.microsoft.com/office/drawing/2014/main" id="{9DF517E5-749A-06F4-342C-766728A2D616}"/>
               </a:ext>
             </a:extLst>
           </p:cNvPr>
@@ -2868,7 +2868,7 @@
           <p:cNvPr id="4" name="日期占位符 3">
             <a:extLst>
               <a:ext uri="{FF2B5EF4-FFF2-40B4-BE49-F238E27FC236}">
-                <a16:creationId xmlns:a16="http://schemas.microsoft.com/office/drawing/2014/main" id="{C15ED664-F1DE-0C71-E6A6-5A2657F1616A}"/>
+                <a16:creationId xmlns:a16="http://schemas.microsoft.com/office/drawing/2014/main" id="{04ED47D1-6A90-75FA-7992-001944142B04}"/>
               </a:ext>
             </a:extLst>
           </p:cNvPr>
@@ -2902,7 +2902,7 @@
             </a:lvl1pPr>
           </a:lstStyle>
           <a:p>
-            <a:fld id="{123448E7-9AF3-4CCD-AD09-9B694E2EB7EF}" type="datetimeFigureOut">
+            <a:fld id="{28FC5418-822D-479C-B633-FE32718E891B}" type="datetimeFigureOut">
               <a:rPr lang="zh-CN" altLang="en-US" smtClean="0"/>
               <a:t>2024/3/10</a:t>
             </a:fld>
@@ -2915,7 +2915,7 @@
           <p:cNvPr id="5" name="页脚占位符 4">
             <a:extLst>
               <a:ext uri="{FF2B5EF4-FFF2-40B4-BE49-F238E27FC236}">
-                <a16:creationId xmlns:a16="http://schemas.microsoft.com/office/drawing/2014/main" id="{10E8DEDF-64A1-1A04-E9AF-86BC2D34E095}"/>
+                <a16:creationId xmlns:a16="http://schemas.microsoft.com/office/drawing/2014/main" id="{E8A2ABEE-55A6-13D9-AEB8-187028D6E6C3}"/>
               </a:ext>
             </a:extLst>
           </p:cNvPr>
@@ -2958,7 +2958,7 @@
           <p:cNvPr id="6" name="灯片编号占位符 5">
             <a:extLst>
               <a:ext uri="{FF2B5EF4-FFF2-40B4-BE49-F238E27FC236}">
-                <a16:creationId xmlns:a16="http://schemas.microsoft.com/office/drawing/2014/main" id="{8AF75936-9C7C-F1BC-EECF-03789495E792}"/>
+                <a16:creationId xmlns:a16="http://schemas.microsoft.com/office/drawing/2014/main" id="{AF4A2B43-AAD3-AFF1-447A-891C66590D6E}"/>
               </a:ext>
             </a:extLst>
           </p:cNvPr>
@@ -2992,7 +2992,7 @@
             </a:lvl1pPr>
           </a:lstStyle>
           <a:p>
-            <a:fld id="{22C3C490-7DBA-4F6E-9D75-78EB996B3E5B}" type="slidenum">
+            <a:fld id="{E81D791E-CB61-42D1-85BF-127F968E520B}" type="slidenum">
               <a:rPr lang="zh-CN" altLang="en-US" smtClean="0"/>
               <a:t>‹#›</a:t>
             </a:fld>
@@ -3003,7 +3003,7 @@
     </p:spTree>
     <p:extLst>
       <p:ext uri="{BB962C8B-B14F-4D97-AF65-F5344CB8AC3E}">
-        <p14:creationId xmlns:p14="http://schemas.microsoft.com/office/powerpoint/2010/main" val="2035776791"/>
+        <p14:creationId xmlns:p14="http://schemas.microsoft.com/office/powerpoint/2010/main" val="441770113"/>
       </p:ext>
     </p:extLst>
   </p:cSld>
@@ -3323,7 +3323,7 @@
       </p:grpSpPr>
       <p:pic>
         <p:nvPicPr>
-          <p:cNvPr id="889858" name="Picture 2" descr="868"/>
+          <p:cNvPr id="890882" name="Picture 2" descr="869"/>
           <p:cNvPicPr>
             <a:picLocks noChangeAspect="1" noChangeArrowheads="1"/>
           </p:cNvPicPr>
@@ -3345,7 +3345,7 @@
         <p:spPr bwMode="auto">
           <a:xfrm>
             <a:off x="1524000" y="0"/>
-            <a:ext cx="9124950" cy="5949950"/>
+            <a:ext cx="9144000" cy="6453188"/>
           </a:xfrm>
           <a:prstGeom prst="rect">
             <a:avLst/>
